--- a/docs/diagrams/Diagrams_Model.pptx
+++ b/docs/diagrams/Diagrams_Model.pptx
@@ -208,7 +208,7 @@
           <a:p>
             <a:fld id="{F5CC4B3F-88C1-4FFA-B1B6-F41C21DC6924}" type="datetimeFigureOut">
               <a:rPr lang="en-US" smtClean="0"/>
-              <a:t>10/13/16</a:t>
+              <a:t>10/16/16</a:t>
             </a:fld>
             <a:endParaRPr lang="en-US"/>
           </a:p>
@@ -657,7 +657,7 @@
           <a:p>
             <a:fld id="{78C97017-6FC3-485B-9764-EAC9E56C1D49}" type="datetimeFigureOut">
               <a:rPr lang="en-US" smtClean="0"/>
-              <a:t>10/13/16</a:t>
+              <a:t>10/16/16</a:t>
             </a:fld>
             <a:endParaRPr lang="en-US"/>
           </a:p>
@@ -827,7 +827,7 @@
           <a:p>
             <a:fld id="{78C97017-6FC3-485B-9764-EAC9E56C1D49}" type="datetimeFigureOut">
               <a:rPr lang="en-US" smtClean="0"/>
-              <a:t>10/13/16</a:t>
+              <a:t>10/16/16</a:t>
             </a:fld>
             <a:endParaRPr lang="en-US"/>
           </a:p>
@@ -1007,7 +1007,7 @@
           <a:p>
             <a:fld id="{78C97017-6FC3-485B-9764-EAC9E56C1D49}" type="datetimeFigureOut">
               <a:rPr lang="en-US" smtClean="0"/>
-              <a:t>10/13/16</a:t>
+              <a:t>10/16/16</a:t>
             </a:fld>
             <a:endParaRPr lang="en-US"/>
           </a:p>
@@ -1177,7 +1177,7 @@
           <a:p>
             <a:fld id="{78C97017-6FC3-485B-9764-EAC9E56C1D49}" type="datetimeFigureOut">
               <a:rPr lang="en-US" smtClean="0"/>
-              <a:t>10/13/16</a:t>
+              <a:t>10/16/16</a:t>
             </a:fld>
             <a:endParaRPr lang="en-US"/>
           </a:p>
@@ -1423,7 +1423,7 @@
           <a:p>
             <a:fld id="{78C97017-6FC3-485B-9764-EAC9E56C1D49}" type="datetimeFigureOut">
               <a:rPr lang="en-US" smtClean="0"/>
-              <a:t>10/13/16</a:t>
+              <a:t>10/16/16</a:t>
             </a:fld>
             <a:endParaRPr lang="en-US"/>
           </a:p>
@@ -1711,7 +1711,7 @@
           <a:p>
             <a:fld id="{78C97017-6FC3-485B-9764-EAC9E56C1D49}" type="datetimeFigureOut">
               <a:rPr lang="en-US" smtClean="0"/>
-              <a:t>10/13/16</a:t>
+              <a:t>10/16/16</a:t>
             </a:fld>
             <a:endParaRPr lang="en-US"/>
           </a:p>
@@ -2133,7 +2133,7 @@
           <a:p>
             <a:fld id="{78C97017-6FC3-485B-9764-EAC9E56C1D49}" type="datetimeFigureOut">
               <a:rPr lang="en-US" smtClean="0"/>
-              <a:t>10/13/16</a:t>
+              <a:t>10/16/16</a:t>
             </a:fld>
             <a:endParaRPr lang="en-US"/>
           </a:p>
@@ -2251,7 +2251,7 @@
           <a:p>
             <a:fld id="{78C97017-6FC3-485B-9764-EAC9E56C1D49}" type="datetimeFigureOut">
               <a:rPr lang="en-US" smtClean="0"/>
-              <a:t>10/13/16</a:t>
+              <a:t>10/16/16</a:t>
             </a:fld>
             <a:endParaRPr lang="en-US"/>
           </a:p>
@@ -2346,7 +2346,7 @@
           <a:p>
             <a:fld id="{78C97017-6FC3-485B-9764-EAC9E56C1D49}" type="datetimeFigureOut">
               <a:rPr lang="en-US" smtClean="0"/>
-              <a:t>10/13/16</a:t>
+              <a:t>10/16/16</a:t>
             </a:fld>
             <a:endParaRPr lang="en-US"/>
           </a:p>
@@ -2623,7 +2623,7 @@
           <a:p>
             <a:fld id="{78C97017-6FC3-485B-9764-EAC9E56C1D49}" type="datetimeFigureOut">
               <a:rPr lang="en-US" smtClean="0"/>
-              <a:t>10/13/16</a:t>
+              <a:t>10/16/16</a:t>
             </a:fld>
             <a:endParaRPr lang="en-US"/>
           </a:p>
@@ -2876,7 +2876,7 @@
           <a:p>
             <a:fld id="{78C97017-6FC3-485B-9764-EAC9E56C1D49}" type="datetimeFigureOut">
               <a:rPr lang="en-US" smtClean="0"/>
-              <a:t>10/13/16</a:t>
+              <a:t>10/16/16</a:t>
             </a:fld>
             <a:endParaRPr lang="en-US"/>
           </a:p>
@@ -3089,7 +3089,7 @@
           <a:p>
             <a:fld id="{78C97017-6FC3-485B-9764-EAC9E56C1D49}" type="datetimeFigureOut">
               <a:rPr lang="en-US" smtClean="0"/>
-              <a:t>10/13/16</a:t>
+              <a:t>10/16/16</a:t>
             </a:fld>
             <a:endParaRPr lang="en-US"/>
           </a:p>
@@ -3472,7 +3472,7 @@
         </p:nvSpPr>
         <p:spPr>
           <a:xfrm>
-            <a:off x="-5815704" y="5613016"/>
+            <a:off x="409898" y="608695"/>
             <a:ext cx="8229600" cy="4419600"/>
           </a:xfrm>
           <a:prstGeom prst="roundRect">
@@ -3867,7 +3867,7 @@
               <a:srgbClr val="7030A0"/>
             </a:solidFill>
             <a:prstDash val="sysDot"/>
-            <a:headEnd type="none" w="med" len="med"/>
+            <a:headEnd type="arrow" w="med" len="med"/>
             <a:tailEnd type="arrow" w="med" len="med"/>
           </a:ln>
           <a:effectLst/>
@@ -5572,15 +5572,15 @@
         <p:nvCxnSpPr>
           <p:cNvPr id="65" name="Elbow Connector 64"/>
           <p:cNvCxnSpPr>
-            <a:stCxn id="68" idx="3"/>
+            <a:stCxn id="50" idx="3"/>
             <a:endCxn id="60" idx="1"/>
           </p:cNvCxnSpPr>
           <p:nvPr/>
         </p:nvCxnSpPr>
         <p:spPr>
           <a:xfrm flipV="1">
-            <a:off x="5533348" y="1270955"/>
-            <a:ext cx="334052" cy="835639"/>
+            <a:off x="5267769" y="1270955"/>
+            <a:ext cx="599631" cy="164760"/>
           </a:xfrm>
           <a:prstGeom prst="bentConnector3">
             <a:avLst>
@@ -5703,6 +5703,105 @@
           </a:p>
         </p:txBody>
       </p:sp>
+      <p:sp>
+        <p:nvSpPr>
+          <p:cNvPr id="50" name="Rectangle 8"/>
+          <p:cNvSpPr/>
+          <p:nvPr/>
+        </p:nvSpPr>
+        <p:spPr>
+          <a:xfrm>
+            <a:off x="3932870" y="1262335"/>
+            <a:ext cx="1334899" cy="346760"/>
+          </a:xfrm>
+          <a:prstGeom prst="rect">
+            <a:avLst/>
+          </a:prstGeom>
+          <a:ln w="19050">
+            <a:solidFill>
+              <a:srgbClr val="7030A0"/>
+            </a:solidFill>
+          </a:ln>
+          <a:effectLst/>
+        </p:spPr>
+        <p:style>
+          <a:lnRef idx="1">
+            <a:schemeClr val="accent4"/>
+          </a:lnRef>
+          <a:fillRef idx="2">
+            <a:schemeClr val="accent4"/>
+          </a:fillRef>
+          <a:effectRef idx="1">
+            <a:schemeClr val="accent4"/>
+          </a:effectRef>
+          <a:fontRef idx="minor">
+            <a:schemeClr val="dk1"/>
+          </a:fontRef>
+        </p:style>
+        <p:txBody>
+          <a:bodyPr rtlCol="0" anchor="ctr"/>
+          <a:lstStyle/>
+          <a:p>
+            <a:pPr algn="ctr"/>
+            <a:r>
+              <a:rPr lang="en-US" sz="1050" dirty="0" err="1" smtClean="0">
+                <a:solidFill>
+                  <a:srgbClr val="7030A0"/>
+                </a:solidFill>
+              </a:rPr>
+              <a:t>UniqueCategoryList</a:t>
+            </a:r>
+            <a:endParaRPr lang="en-SG" sz="1050" dirty="0">
+              <a:solidFill>
+                <a:srgbClr val="7030A0"/>
+              </a:solidFill>
+            </a:endParaRPr>
+          </a:p>
+        </p:txBody>
+      </p:sp>
+      <p:cxnSp>
+        <p:nvCxnSpPr>
+          <p:cNvPr id="52" name="Elbow Connector 51"/>
+          <p:cNvCxnSpPr>
+            <a:stCxn id="51" idx="3"/>
+            <a:endCxn id="50" idx="1"/>
+          </p:cNvCxnSpPr>
+          <p:nvPr/>
+        </p:nvCxnSpPr>
+        <p:spPr>
+          <a:xfrm flipV="1">
+            <a:off x="3679548" y="1435715"/>
+            <a:ext cx="253322" cy="951200"/>
+          </a:xfrm>
+          <a:prstGeom prst="bentConnector3">
+            <a:avLst>
+              <a:gd name="adj1" fmla="val 50000"/>
+            </a:avLst>
+          </a:prstGeom>
+          <a:ln w="19050">
+            <a:solidFill>
+              <a:srgbClr val="7030A0"/>
+            </a:solidFill>
+            <a:headEnd type="none" w="med" len="med"/>
+            <a:tailEnd type="arrow" w="med" len="med"/>
+          </a:ln>
+          <a:effectLst/>
+        </p:spPr>
+        <p:style>
+          <a:lnRef idx="1">
+            <a:schemeClr val="accent2"/>
+          </a:lnRef>
+          <a:fillRef idx="2">
+            <a:schemeClr val="accent2"/>
+          </a:fillRef>
+          <a:effectRef idx="1">
+            <a:schemeClr val="accent2"/>
+          </a:effectRef>
+          <a:fontRef idx="minor">
+            <a:schemeClr val="dk1"/>
+          </a:fontRef>
+        </p:style>
+      </p:cxnSp>
     </p:spTree>
     <p:extLst>
       <p:ext uri="{BB962C8B-B14F-4D97-AF65-F5344CB8AC3E}">

--- a/docs/diagrams/Diagrams_Model.pptx
+++ b/docs/diagrams/Diagrams_Model.pptx
@@ -10,14 +10,14 @@
   <p:sldIdLst>
     <p:sldId id="263" r:id="rId2"/>
   </p:sldIdLst>
-  <p:sldSz cx="9144000" cy="5057775"/>
+  <p:sldSz cx="9180513" cy="5705475"/>
   <p:notesSz cx="6858000" cy="9144000"/>
   <p:defaultTextStyle>
     <a:defPPr>
       <a:defRPr lang="en-US"/>
     </a:defPPr>
-    <a:lvl1pPr marL="0" algn="l" defTabSz="914400" rtl="0" eaLnBrk="1" latinLnBrk="0" hangingPunct="1">
-      <a:defRPr sz="1800" kern="1200">
+    <a:lvl1pPr marL="0" algn="l" defTabSz="958383" rtl="0" eaLnBrk="1" latinLnBrk="0" hangingPunct="1">
+      <a:defRPr sz="1887" kern="1200">
         <a:solidFill>
           <a:schemeClr val="tx1"/>
         </a:solidFill>
@@ -26,8 +26,8 @@
         <a:cs typeface="+mn-cs"/>
       </a:defRPr>
     </a:lvl1pPr>
-    <a:lvl2pPr marL="457200" algn="l" defTabSz="914400" rtl="0" eaLnBrk="1" latinLnBrk="0" hangingPunct="1">
-      <a:defRPr sz="1800" kern="1200">
+    <a:lvl2pPr marL="479191" algn="l" defTabSz="958383" rtl="0" eaLnBrk="1" latinLnBrk="0" hangingPunct="1">
+      <a:defRPr sz="1887" kern="1200">
         <a:solidFill>
           <a:schemeClr val="tx1"/>
         </a:solidFill>
@@ -36,8 +36,8 @@
         <a:cs typeface="+mn-cs"/>
       </a:defRPr>
     </a:lvl2pPr>
-    <a:lvl3pPr marL="914400" algn="l" defTabSz="914400" rtl="0" eaLnBrk="1" latinLnBrk="0" hangingPunct="1">
-      <a:defRPr sz="1800" kern="1200">
+    <a:lvl3pPr marL="958383" algn="l" defTabSz="958383" rtl="0" eaLnBrk="1" latinLnBrk="0" hangingPunct="1">
+      <a:defRPr sz="1887" kern="1200">
         <a:solidFill>
           <a:schemeClr val="tx1"/>
         </a:solidFill>
@@ -46,8 +46,8 @@
         <a:cs typeface="+mn-cs"/>
       </a:defRPr>
     </a:lvl3pPr>
-    <a:lvl4pPr marL="1371600" algn="l" defTabSz="914400" rtl="0" eaLnBrk="1" latinLnBrk="0" hangingPunct="1">
-      <a:defRPr sz="1800" kern="1200">
+    <a:lvl4pPr marL="1437574" algn="l" defTabSz="958383" rtl="0" eaLnBrk="1" latinLnBrk="0" hangingPunct="1">
+      <a:defRPr sz="1887" kern="1200">
         <a:solidFill>
           <a:schemeClr val="tx1"/>
         </a:solidFill>
@@ -56,8 +56,8 @@
         <a:cs typeface="+mn-cs"/>
       </a:defRPr>
     </a:lvl4pPr>
-    <a:lvl5pPr marL="1828800" algn="l" defTabSz="914400" rtl="0" eaLnBrk="1" latinLnBrk="0" hangingPunct="1">
-      <a:defRPr sz="1800" kern="1200">
+    <a:lvl5pPr marL="1916765" algn="l" defTabSz="958383" rtl="0" eaLnBrk="1" latinLnBrk="0" hangingPunct="1">
+      <a:defRPr sz="1887" kern="1200">
         <a:solidFill>
           <a:schemeClr val="tx1"/>
         </a:solidFill>
@@ -66,8 +66,8 @@
         <a:cs typeface="+mn-cs"/>
       </a:defRPr>
     </a:lvl5pPr>
-    <a:lvl6pPr marL="2286000" algn="l" defTabSz="914400" rtl="0" eaLnBrk="1" latinLnBrk="0" hangingPunct="1">
-      <a:defRPr sz="1800" kern="1200">
+    <a:lvl6pPr marL="2395957" algn="l" defTabSz="958383" rtl="0" eaLnBrk="1" latinLnBrk="0" hangingPunct="1">
+      <a:defRPr sz="1887" kern="1200">
         <a:solidFill>
           <a:schemeClr val="tx1"/>
         </a:solidFill>
@@ -76,8 +76,8 @@
         <a:cs typeface="+mn-cs"/>
       </a:defRPr>
     </a:lvl6pPr>
-    <a:lvl7pPr marL="2743200" algn="l" defTabSz="914400" rtl="0" eaLnBrk="1" latinLnBrk="0" hangingPunct="1">
-      <a:defRPr sz="1800" kern="1200">
+    <a:lvl7pPr marL="2875148" algn="l" defTabSz="958383" rtl="0" eaLnBrk="1" latinLnBrk="0" hangingPunct="1">
+      <a:defRPr sz="1887" kern="1200">
         <a:solidFill>
           <a:schemeClr val="tx1"/>
         </a:solidFill>
@@ -86,8 +86,8 @@
         <a:cs typeface="+mn-cs"/>
       </a:defRPr>
     </a:lvl7pPr>
-    <a:lvl8pPr marL="3200400" algn="l" defTabSz="914400" rtl="0" eaLnBrk="1" latinLnBrk="0" hangingPunct="1">
-      <a:defRPr sz="1800" kern="1200">
+    <a:lvl8pPr marL="3354339" algn="l" defTabSz="958383" rtl="0" eaLnBrk="1" latinLnBrk="0" hangingPunct="1">
+      <a:defRPr sz="1887" kern="1200">
         <a:solidFill>
           <a:schemeClr val="tx1"/>
         </a:solidFill>
@@ -96,8 +96,8 @@
         <a:cs typeface="+mn-cs"/>
       </a:defRPr>
     </a:lvl8pPr>
-    <a:lvl9pPr marL="3657600" algn="l" defTabSz="914400" rtl="0" eaLnBrk="1" latinLnBrk="0" hangingPunct="1">
-      <a:defRPr sz="1800" kern="1200">
+    <a:lvl9pPr marL="3833531" algn="l" defTabSz="958383" rtl="0" eaLnBrk="1" latinLnBrk="0" hangingPunct="1">
+      <a:defRPr sz="1887" kern="1200">
         <a:solidFill>
           <a:schemeClr val="tx1"/>
         </a:solidFill>
@@ -110,12 +110,12 @@
   <p:extLst>
     <p:ext uri="{EFAFB233-063F-42B5-8137-9DF3F51BA10A}">
       <p15:sldGuideLst xmlns:p15="http://schemas.microsoft.com/office/powerpoint/2012/main">
-        <p15:guide id="1" orient="horz" pos="1098" userDrawn="1">
+        <p15:guide id="1" orient="horz" pos="1239" userDrawn="1">
           <p15:clr>
             <a:srgbClr val="A4A3A4"/>
           </p15:clr>
         </p15:guide>
-        <p15:guide id="2" pos="2880" userDrawn="1">
+        <p15:guide id="2" pos="2892" userDrawn="1">
           <p15:clr>
             <a:srgbClr val="A4A3A4"/>
           </p15:clr>
@@ -208,7 +208,7 @@
           <a:p>
             <a:fld id="{F5CC4B3F-88C1-4FFA-B1B6-F41C21DC6924}" type="datetimeFigureOut">
               <a:rPr lang="en-US" smtClean="0"/>
-              <a:t>10/18/16</a:t>
+              <a:t>10/25/16</a:t>
             </a:fld>
             <a:endParaRPr lang="en-US"/>
           </a:p>
@@ -226,8 +226,8 @@
         </p:nvSpPr>
         <p:spPr>
           <a:xfrm>
-            <a:off x="330200" y="685800"/>
-            <a:ext cx="6197600" cy="3429000"/>
+            <a:off x="669925" y="685800"/>
+            <a:ext cx="5518150" cy="3429000"/>
           </a:xfrm>
           <a:prstGeom prst="rect">
             <a:avLst/>
@@ -382,8 +382,8 @@
   </p:cSld>
   <p:clrMap bg1="lt1" tx1="dk1" bg2="lt2" tx2="dk2" accent1="accent1" accent2="accent2" accent3="accent3" accent4="accent4" accent5="accent5" accent6="accent6" hlink="hlink" folHlink="folHlink"/>
   <p:notesStyle>
-    <a:lvl1pPr marL="0" algn="l" defTabSz="914400" rtl="0" eaLnBrk="1" latinLnBrk="0" hangingPunct="1">
-      <a:defRPr sz="1200" kern="1200">
+    <a:lvl1pPr marL="0" algn="l" defTabSz="958383" rtl="0" eaLnBrk="1" latinLnBrk="0" hangingPunct="1">
+      <a:defRPr sz="1258" kern="1200">
         <a:solidFill>
           <a:schemeClr val="tx1"/>
         </a:solidFill>
@@ -392,8 +392,8 @@
         <a:cs typeface="+mn-cs"/>
       </a:defRPr>
     </a:lvl1pPr>
-    <a:lvl2pPr marL="457200" algn="l" defTabSz="914400" rtl="0" eaLnBrk="1" latinLnBrk="0" hangingPunct="1">
-      <a:defRPr sz="1200" kern="1200">
+    <a:lvl2pPr marL="479191" algn="l" defTabSz="958383" rtl="0" eaLnBrk="1" latinLnBrk="0" hangingPunct="1">
+      <a:defRPr sz="1258" kern="1200">
         <a:solidFill>
           <a:schemeClr val="tx1"/>
         </a:solidFill>
@@ -402,8 +402,8 @@
         <a:cs typeface="+mn-cs"/>
       </a:defRPr>
     </a:lvl2pPr>
-    <a:lvl3pPr marL="914400" algn="l" defTabSz="914400" rtl="0" eaLnBrk="1" latinLnBrk="0" hangingPunct="1">
-      <a:defRPr sz="1200" kern="1200">
+    <a:lvl3pPr marL="958383" algn="l" defTabSz="958383" rtl="0" eaLnBrk="1" latinLnBrk="0" hangingPunct="1">
+      <a:defRPr sz="1258" kern="1200">
         <a:solidFill>
           <a:schemeClr val="tx1"/>
         </a:solidFill>
@@ -412,8 +412,8 @@
         <a:cs typeface="+mn-cs"/>
       </a:defRPr>
     </a:lvl3pPr>
-    <a:lvl4pPr marL="1371600" algn="l" defTabSz="914400" rtl="0" eaLnBrk="1" latinLnBrk="0" hangingPunct="1">
-      <a:defRPr sz="1200" kern="1200">
+    <a:lvl4pPr marL="1437574" algn="l" defTabSz="958383" rtl="0" eaLnBrk="1" latinLnBrk="0" hangingPunct="1">
+      <a:defRPr sz="1258" kern="1200">
         <a:solidFill>
           <a:schemeClr val="tx1"/>
         </a:solidFill>
@@ -422,8 +422,8 @@
         <a:cs typeface="+mn-cs"/>
       </a:defRPr>
     </a:lvl4pPr>
-    <a:lvl5pPr marL="1828800" algn="l" defTabSz="914400" rtl="0" eaLnBrk="1" latinLnBrk="0" hangingPunct="1">
-      <a:defRPr sz="1200" kern="1200">
+    <a:lvl5pPr marL="1916765" algn="l" defTabSz="958383" rtl="0" eaLnBrk="1" latinLnBrk="0" hangingPunct="1">
+      <a:defRPr sz="1258" kern="1200">
         <a:solidFill>
           <a:schemeClr val="tx1"/>
         </a:solidFill>
@@ -432,8 +432,8 @@
         <a:cs typeface="+mn-cs"/>
       </a:defRPr>
     </a:lvl5pPr>
-    <a:lvl6pPr marL="2286000" algn="l" defTabSz="914400" rtl="0" eaLnBrk="1" latinLnBrk="0" hangingPunct="1">
-      <a:defRPr sz="1200" kern="1200">
+    <a:lvl6pPr marL="2395957" algn="l" defTabSz="958383" rtl="0" eaLnBrk="1" latinLnBrk="0" hangingPunct="1">
+      <a:defRPr sz="1258" kern="1200">
         <a:solidFill>
           <a:schemeClr val="tx1"/>
         </a:solidFill>
@@ -442,8 +442,8 @@
         <a:cs typeface="+mn-cs"/>
       </a:defRPr>
     </a:lvl6pPr>
-    <a:lvl7pPr marL="2743200" algn="l" defTabSz="914400" rtl="0" eaLnBrk="1" latinLnBrk="0" hangingPunct="1">
-      <a:defRPr sz="1200" kern="1200">
+    <a:lvl7pPr marL="2875148" algn="l" defTabSz="958383" rtl="0" eaLnBrk="1" latinLnBrk="0" hangingPunct="1">
+      <a:defRPr sz="1258" kern="1200">
         <a:solidFill>
           <a:schemeClr val="tx1"/>
         </a:solidFill>
@@ -452,8 +452,8 @@
         <a:cs typeface="+mn-cs"/>
       </a:defRPr>
     </a:lvl7pPr>
-    <a:lvl8pPr marL="3200400" algn="l" defTabSz="914400" rtl="0" eaLnBrk="1" latinLnBrk="0" hangingPunct="1">
-      <a:defRPr sz="1200" kern="1200">
+    <a:lvl8pPr marL="3354339" algn="l" defTabSz="958383" rtl="0" eaLnBrk="1" latinLnBrk="0" hangingPunct="1">
+      <a:defRPr sz="1258" kern="1200">
         <a:solidFill>
           <a:schemeClr val="tx1"/>
         </a:solidFill>
@@ -462,8 +462,8 @@
         <a:cs typeface="+mn-cs"/>
       </a:defRPr>
     </a:lvl8pPr>
-    <a:lvl9pPr marL="3657600" algn="l" defTabSz="914400" rtl="0" eaLnBrk="1" latinLnBrk="0" hangingPunct="1">
-      <a:defRPr sz="1200" kern="1200">
+    <a:lvl9pPr marL="3833531" algn="l" defTabSz="958383" rtl="0" eaLnBrk="1" latinLnBrk="0" hangingPunct="1">
+      <a:defRPr sz="1258" kern="1200">
         <a:solidFill>
           <a:schemeClr val="tx1"/>
         </a:solidFill>
@@ -503,7 +503,12 @@
             <p:ph type="sldImg"/>
           </p:nvPr>
         </p:nvSpPr>
-        <p:spPr/>
+        <p:spPr>
+          <a:xfrm>
+            <a:off x="669925" y="685800"/>
+            <a:ext cx="5518150" cy="3429000"/>
+          </a:xfrm>
+        </p:spPr>
       </p:sp>
       <p:sp>
         <p:nvSpPr>
@@ -589,8 +594,8 @@
         </p:nvSpPr>
         <p:spPr>
           <a:xfrm>
-            <a:off x="685800" y="1571190"/>
-            <a:ext cx="7772400" cy="1084143"/>
+            <a:off x="688539" y="1772397"/>
+            <a:ext cx="7803436" cy="1222979"/>
           </a:xfrm>
         </p:spPr>
         <p:txBody>
@@ -617,8 +622,8 @@
         </p:nvSpPr>
         <p:spPr>
           <a:xfrm>
-            <a:off x="1371600" y="2866072"/>
-            <a:ext cx="6400800" cy="1292543"/>
+            <a:off x="1377077" y="3233103"/>
+            <a:ext cx="6426359" cy="1458066"/>
           </a:xfrm>
         </p:spPr>
         <p:txBody>
@@ -741,7 +746,7 @@
           <a:p>
             <a:fld id="{78C97017-6FC3-485B-9764-EAC9E56C1D49}" type="datetimeFigureOut">
               <a:rPr lang="en-US" smtClean="0"/>
-              <a:t>10/18/16</a:t>
+              <a:t>10/25/16</a:t>
             </a:fld>
             <a:endParaRPr lang="en-US"/>
           </a:p>
@@ -911,7 +916,7 @@
           <a:p>
             <a:fld id="{78C97017-6FC3-485B-9764-EAC9E56C1D49}" type="datetimeFigureOut">
               <a:rPr lang="en-US" smtClean="0"/>
-              <a:t>10/18/16</a:t>
+              <a:t>10/25/16</a:t>
             </a:fld>
             <a:endParaRPr lang="en-US"/>
           </a:p>
@@ -1001,8 +1006,8 @@
         </p:nvSpPr>
         <p:spPr>
           <a:xfrm>
-            <a:off x="6629400" y="202549"/>
-            <a:ext cx="2057400" cy="4315500"/>
+            <a:off x="6655872" y="228488"/>
+            <a:ext cx="2065615" cy="4868144"/>
           </a:xfrm>
         </p:spPr>
         <p:txBody>
@@ -1029,8 +1034,8 @@
         </p:nvSpPr>
         <p:spPr>
           <a:xfrm>
-            <a:off x="457200" y="202549"/>
-            <a:ext cx="6019800" cy="4315500"/>
+            <a:off x="459026" y="228488"/>
+            <a:ext cx="6043838" cy="4868144"/>
           </a:xfrm>
         </p:spPr>
         <p:txBody>
@@ -1091,7 +1096,7 @@
           <a:p>
             <a:fld id="{78C97017-6FC3-485B-9764-EAC9E56C1D49}" type="datetimeFigureOut">
               <a:rPr lang="en-US" smtClean="0"/>
-              <a:t>10/18/16</a:t>
+              <a:t>10/25/16</a:t>
             </a:fld>
             <a:endParaRPr lang="en-US"/>
           </a:p>
@@ -1261,7 +1266,7 @@
           <a:p>
             <a:fld id="{78C97017-6FC3-485B-9764-EAC9E56C1D49}" type="datetimeFigureOut">
               <a:rPr lang="en-US" smtClean="0"/>
-              <a:t>10/18/16</a:t>
+              <a:t>10/25/16</a:t>
             </a:fld>
             <a:endParaRPr lang="en-US"/>
           </a:p>
@@ -1351,8 +1356,8 @@
         </p:nvSpPr>
         <p:spPr>
           <a:xfrm>
-            <a:off x="722313" y="3250094"/>
-            <a:ext cx="7772400" cy="1004529"/>
+            <a:off x="725197" y="3666303"/>
+            <a:ext cx="7803436" cy="1133169"/>
           </a:xfrm>
         </p:spPr>
         <p:txBody>
@@ -1383,8 +1388,8 @@
         </p:nvSpPr>
         <p:spPr>
           <a:xfrm>
-            <a:off x="722313" y="2143705"/>
-            <a:ext cx="7772400" cy="1106388"/>
+            <a:off x="725197" y="2418229"/>
+            <a:ext cx="7803436" cy="1248072"/>
           </a:xfrm>
         </p:spPr>
         <p:txBody>
@@ -1507,7 +1512,7 @@
           <a:p>
             <a:fld id="{78C97017-6FC3-485B-9764-EAC9E56C1D49}" type="datetimeFigureOut">
               <a:rPr lang="en-US" smtClean="0"/>
-              <a:t>10/18/16</a:t>
+              <a:t>10/25/16</a:t>
             </a:fld>
             <a:endParaRPr lang="en-US"/>
           </a:p>
@@ -1620,8 +1625,8 @@
         </p:nvSpPr>
         <p:spPr>
           <a:xfrm>
-            <a:off x="457200" y="1180149"/>
-            <a:ext cx="4038600" cy="3337899"/>
+            <a:off x="459025" y="1331280"/>
+            <a:ext cx="4054727" cy="3765351"/>
           </a:xfrm>
         </p:spPr>
         <p:txBody>
@@ -1705,8 +1710,8 @@
         </p:nvSpPr>
         <p:spPr>
           <a:xfrm>
-            <a:off x="4648200" y="1180149"/>
-            <a:ext cx="4038600" cy="3337899"/>
+            <a:off x="4666761" y="1331280"/>
+            <a:ext cx="4054727" cy="3765351"/>
           </a:xfrm>
         </p:spPr>
         <p:txBody>
@@ -1795,7 +1800,7 @@
           <a:p>
             <a:fld id="{78C97017-6FC3-485B-9764-EAC9E56C1D49}" type="datetimeFigureOut">
               <a:rPr lang="en-US" smtClean="0"/>
-              <a:t>10/18/16</a:t>
+              <a:t>10/25/16</a:t>
             </a:fld>
             <a:endParaRPr lang="en-US"/>
           </a:p>
@@ -1912,8 +1917,8 @@
         </p:nvSpPr>
         <p:spPr>
           <a:xfrm>
-            <a:off x="457200" y="1132148"/>
-            <a:ext cx="4040188" cy="471824"/>
+            <a:off x="459026" y="1277131"/>
+            <a:ext cx="4056321" cy="532246"/>
           </a:xfrm>
         </p:spPr>
         <p:txBody>
@@ -1977,8 +1982,8 @@
         </p:nvSpPr>
         <p:spPr>
           <a:xfrm>
-            <a:off x="457200" y="1603973"/>
-            <a:ext cx="4040188" cy="2914075"/>
+            <a:off x="459026" y="1809379"/>
+            <a:ext cx="4056321" cy="3287252"/>
           </a:xfrm>
         </p:spPr>
         <p:txBody>
@@ -2062,8 +2067,8 @@
         </p:nvSpPr>
         <p:spPr>
           <a:xfrm>
-            <a:off x="4645033" y="1132148"/>
-            <a:ext cx="4041775" cy="471824"/>
+            <a:off x="4663582" y="1277131"/>
+            <a:ext cx="4057914" cy="532246"/>
           </a:xfrm>
         </p:spPr>
         <p:txBody>
@@ -2127,8 +2132,8 @@
         </p:nvSpPr>
         <p:spPr>
           <a:xfrm>
-            <a:off x="4645033" y="1603973"/>
-            <a:ext cx="4041775" cy="2914075"/>
+            <a:off x="4663582" y="1809379"/>
+            <a:ext cx="4057914" cy="3287252"/>
           </a:xfrm>
         </p:spPr>
         <p:txBody>
@@ -2217,7 +2222,7 @@
           <a:p>
             <a:fld id="{78C97017-6FC3-485B-9764-EAC9E56C1D49}" type="datetimeFigureOut">
               <a:rPr lang="en-US" smtClean="0"/>
-              <a:t>10/18/16</a:t>
+              <a:t>10/25/16</a:t>
             </a:fld>
             <a:endParaRPr lang="en-US"/>
           </a:p>
@@ -2335,7 +2340,7 @@
           <a:p>
             <a:fld id="{78C97017-6FC3-485B-9764-EAC9E56C1D49}" type="datetimeFigureOut">
               <a:rPr lang="en-US" smtClean="0"/>
-              <a:t>10/18/16</a:t>
+              <a:t>10/25/16</a:t>
             </a:fld>
             <a:endParaRPr lang="en-US"/>
           </a:p>
@@ -2430,7 +2435,7 @@
           <a:p>
             <a:fld id="{78C97017-6FC3-485B-9764-EAC9E56C1D49}" type="datetimeFigureOut">
               <a:rPr lang="en-US" smtClean="0"/>
-              <a:t>10/18/16</a:t>
+              <a:t>10/25/16</a:t>
             </a:fld>
             <a:endParaRPr lang="en-US"/>
           </a:p>
@@ -2520,8 +2525,8 @@
         </p:nvSpPr>
         <p:spPr>
           <a:xfrm>
-            <a:off x="457211" y="201378"/>
-            <a:ext cx="3008313" cy="857012"/>
+            <a:off x="459037" y="227167"/>
+            <a:ext cx="3020326" cy="966761"/>
           </a:xfrm>
         </p:spPr>
         <p:txBody>
@@ -2552,8 +2557,8 @@
         </p:nvSpPr>
         <p:spPr>
           <a:xfrm>
-            <a:off x="3575050" y="201378"/>
-            <a:ext cx="5111750" cy="4316671"/>
+            <a:off x="3589325" y="227167"/>
+            <a:ext cx="5132162" cy="4869465"/>
           </a:xfrm>
         </p:spPr>
         <p:txBody>
@@ -2637,8 +2642,8 @@
         </p:nvSpPr>
         <p:spPr>
           <a:xfrm>
-            <a:off x="457211" y="1058391"/>
-            <a:ext cx="3008313" cy="3459659"/>
+            <a:off x="459037" y="1193929"/>
+            <a:ext cx="3020326" cy="3902704"/>
           </a:xfrm>
         </p:spPr>
         <p:txBody>
@@ -2707,7 +2712,7 @@
           <a:p>
             <a:fld id="{78C97017-6FC3-485B-9764-EAC9E56C1D49}" type="datetimeFigureOut">
               <a:rPr lang="en-US" smtClean="0"/>
-              <a:t>10/18/16</a:t>
+              <a:t>10/25/16</a:t>
             </a:fld>
             <a:endParaRPr lang="en-US"/>
           </a:p>
@@ -2797,8 +2802,8 @@
         </p:nvSpPr>
         <p:spPr>
           <a:xfrm>
-            <a:off x="1792288" y="3540445"/>
-            <a:ext cx="5486400" cy="417968"/>
+            <a:off x="1799445" y="3993835"/>
+            <a:ext cx="5508308" cy="471493"/>
           </a:xfrm>
         </p:spPr>
         <p:txBody>
@@ -2829,8 +2834,8 @@
         </p:nvSpPr>
         <p:spPr>
           <a:xfrm>
-            <a:off x="1792288" y="451925"/>
-            <a:ext cx="5486400" cy="3034665"/>
+            <a:off x="1799445" y="509799"/>
+            <a:ext cx="5508308" cy="3423285"/>
           </a:xfrm>
         </p:spPr>
         <p:txBody>
@@ -2890,8 +2895,8 @@
         </p:nvSpPr>
         <p:spPr>
           <a:xfrm>
-            <a:off x="1792288" y="3958414"/>
-            <a:ext cx="5486400" cy="593585"/>
+            <a:off x="1799445" y="4465330"/>
+            <a:ext cx="5508308" cy="669600"/>
           </a:xfrm>
         </p:spPr>
         <p:txBody>
@@ -2960,7 +2965,7 @@
           <a:p>
             <a:fld id="{78C97017-6FC3-485B-9764-EAC9E56C1D49}" type="datetimeFigureOut">
               <a:rPr lang="en-US" smtClean="0"/>
-              <a:t>10/18/16</a:t>
+              <a:t>10/25/16</a:t>
             </a:fld>
             <a:endParaRPr lang="en-US"/>
           </a:p>
@@ -3055,8 +3060,8 @@
         </p:nvSpPr>
         <p:spPr>
           <a:xfrm>
-            <a:off x="457200" y="202548"/>
-            <a:ext cx="8229600" cy="842963"/>
+            <a:off x="459026" y="228487"/>
+            <a:ext cx="8262462" cy="950913"/>
           </a:xfrm>
           <a:prstGeom prst="rect">
             <a:avLst/>
@@ -3088,8 +3093,8 @@
         </p:nvSpPr>
         <p:spPr>
           <a:xfrm>
-            <a:off x="457200" y="1180149"/>
-            <a:ext cx="8229600" cy="3337899"/>
+            <a:off x="459026" y="1331280"/>
+            <a:ext cx="8262462" cy="3765351"/>
           </a:xfrm>
           <a:prstGeom prst="rect">
             <a:avLst/>
@@ -3150,8 +3155,8 @@
         </p:nvSpPr>
         <p:spPr>
           <a:xfrm>
-            <a:off x="457200" y="4687813"/>
-            <a:ext cx="2133600" cy="269281"/>
+            <a:off x="459026" y="5288136"/>
+            <a:ext cx="2142120" cy="303765"/>
           </a:xfrm>
           <a:prstGeom prst="rect">
             <a:avLst/>
@@ -3173,7 +3178,7 @@
           <a:p>
             <a:fld id="{78C97017-6FC3-485B-9764-EAC9E56C1D49}" type="datetimeFigureOut">
               <a:rPr lang="en-US" smtClean="0"/>
-              <a:t>10/18/16</a:t>
+              <a:t>10/25/16</a:t>
             </a:fld>
             <a:endParaRPr lang="en-US"/>
           </a:p>
@@ -3191,8 +3196,8 @@
         </p:nvSpPr>
         <p:spPr>
           <a:xfrm>
-            <a:off x="3124200" y="4687813"/>
-            <a:ext cx="2895600" cy="269281"/>
+            <a:off x="3136676" y="5288136"/>
+            <a:ext cx="2907162" cy="303765"/>
           </a:xfrm>
           <a:prstGeom prst="rect">
             <a:avLst/>
@@ -3228,8 +3233,8 @@
         </p:nvSpPr>
         <p:spPr>
           <a:xfrm>
-            <a:off x="6553200" y="4687813"/>
-            <a:ext cx="2133600" cy="269281"/>
+            <a:off x="6579368" y="5288136"/>
+            <a:ext cx="2142120" cy="303765"/>
           </a:xfrm>
           <a:prstGeom prst="rect">
             <a:avLst/>
@@ -3556,8 +3561,8 @@
         </p:nvSpPr>
         <p:spPr>
           <a:xfrm>
-            <a:off x="457200" y="395287"/>
-            <a:ext cx="8229600" cy="4419600"/>
+            <a:off x="332385" y="210770"/>
+            <a:ext cx="8544073" cy="5004167"/>
           </a:xfrm>
           <a:prstGeom prst="roundRect">
             <a:avLst>
@@ -3617,7 +3622,7 @@
         </p:nvSpPr>
         <p:spPr>
           <a:xfrm>
-            <a:off x="2383690" y="2571266"/>
+            <a:off x="2322365" y="3314240"/>
             <a:ext cx="1093635" cy="346760"/>
           </a:xfrm>
           <a:prstGeom prst="rect">
@@ -3676,8 +3681,8 @@
         </p:nvSpPr>
         <p:spPr>
           <a:xfrm rot="16200000">
-            <a:off x="1155980" y="2315995"/>
-            <a:ext cx="1162600" cy="346760"/>
+            <a:off x="761195" y="2684004"/>
+            <a:ext cx="1836283" cy="346760"/>
           </a:xfrm>
           <a:prstGeom prst="rect">
             <a:avLst/>
@@ -3732,13 +3737,14 @@
           <p:cNvPr id="53" name="Elbow Connector 63"/>
           <p:cNvCxnSpPr>
             <a:stCxn id="71" idx="3"/>
+            <a:endCxn id="62" idx="2"/>
           </p:cNvCxnSpPr>
           <p:nvPr/>
         </p:nvCxnSpPr>
         <p:spPr>
           <a:xfrm flipV="1">
-            <a:off x="5983499" y="2617651"/>
-            <a:ext cx="351226" cy="405820"/>
+            <a:off x="6186552" y="4022276"/>
+            <a:ext cx="489628" cy="480410"/>
           </a:xfrm>
           <a:prstGeom prst="bentConnector2">
             <a:avLst/>
@@ -3773,19 +3779,17 @@
           <p:cNvPr id="107" name="Elbow Connector 106"/>
           <p:cNvCxnSpPr>
             <a:stCxn id="9" idx="1"/>
+            <a:endCxn id="62" idx="1"/>
           </p:cNvCxnSpPr>
           <p:nvPr/>
         </p:nvCxnSpPr>
         <p:spPr>
-          <a:xfrm rot="5400000" flipH="1" flipV="1">
-            <a:off x="3832083" y="528218"/>
-            <a:ext cx="447654" cy="4637260"/>
-          </a:xfrm>
-          <a:prstGeom prst="bentConnector4">
-            <a:avLst>
-              <a:gd name="adj1" fmla="val -51066"/>
-              <a:gd name="adj2" fmla="val 100024"/>
-            </a:avLst>
+          <a:xfrm rot="16200000" flipH="1">
+            <a:off x="3964027" y="1490836"/>
+            <a:ext cx="73370" cy="4642750"/>
+          </a:xfrm>
+          <a:prstGeom prst="bentConnector2">
+            <a:avLst/>
           </a:prstGeom>
           <a:ln w="19050">
             <a:solidFill>
@@ -3820,7 +3824,7 @@
         </p:nvSpPr>
         <p:spPr>
           <a:xfrm rot="16200000">
-            <a:off x="428229" y="2308511"/>
+            <a:off x="370286" y="3013361"/>
             <a:ext cx="1162601" cy="346760"/>
           </a:xfrm>
           <a:prstGeom prst="rect">
@@ -3890,7 +3894,7 @@
         </p:nvSpPr>
         <p:spPr>
           <a:xfrm rot="16200000">
-            <a:off x="1133409" y="2365128"/>
+            <a:off x="1075465" y="3069979"/>
             <a:ext cx="270504" cy="175523"/>
           </a:xfrm>
           <a:prstGeom prst="triangle">
@@ -3940,8 +3944,8 @@
         </p:nvCxnSpPr>
         <p:spPr>
           <a:xfrm flipH="1" flipV="1">
-            <a:off x="6334736" y="1996403"/>
-            <a:ext cx="2867" cy="274499"/>
+            <a:off x="6655605" y="1688452"/>
+            <a:ext cx="20575" cy="1987064"/>
           </a:xfrm>
           <a:prstGeom prst="straightConnector1">
             <a:avLst/>
@@ -3982,8 +3986,8 @@
         </p:nvCxnSpPr>
         <p:spPr>
           <a:xfrm>
-            <a:off x="2162869" y="2739362"/>
-            <a:ext cx="220810" cy="5284"/>
+            <a:off x="2101543" y="3482336"/>
+            <a:ext cx="220822" cy="5284"/>
           </a:xfrm>
           <a:prstGeom prst="straightConnector1">
             <a:avLst/>
@@ -4020,7 +4024,7 @@
         </p:nvSpPr>
         <p:spPr>
           <a:xfrm rot="5400000" flipV="1">
-            <a:off x="5760485" y="2935720"/>
+            <a:off x="5963538" y="4414924"/>
             <a:ext cx="270504" cy="175523"/>
           </a:xfrm>
           <a:prstGeom prst="triangle">
@@ -4071,7 +4075,7 @@
         </p:nvCxnSpPr>
         <p:spPr>
           <a:xfrm>
-            <a:off x="416590" y="2452879"/>
+            <a:off x="358646" y="3157729"/>
             <a:ext cx="419548" cy="2860"/>
           </a:xfrm>
           <a:prstGeom prst="bentConnector3">
@@ -4116,7 +4120,7 @@
         </p:nvCxnSpPr>
         <p:spPr>
           <a:xfrm flipV="1">
-            <a:off x="1356434" y="2452889"/>
+            <a:off x="1298491" y="3157740"/>
             <a:ext cx="216105" cy="1"/>
           </a:xfrm>
           <a:prstGeom prst="line">
@@ -4155,7 +4159,7 @@
         </p:nvSpPr>
         <p:spPr>
           <a:xfrm>
-            <a:off x="1926821" y="2652672"/>
+            <a:off x="1865495" y="3395646"/>
             <a:ext cx="236048" cy="173380"/>
           </a:xfrm>
           <a:prstGeom prst="flowChartDecision">
@@ -4200,7 +4204,7 @@
         </p:nvSpPr>
         <p:spPr>
           <a:xfrm>
-            <a:off x="2386000" y="2040246"/>
+            <a:off x="2323830" y="2018964"/>
             <a:ext cx="1093635" cy="346760"/>
           </a:xfrm>
           <a:prstGeom prst="rect">
@@ -4258,9 +4262,9 @@
           <p:nvPr/>
         </p:nvCxnSpPr>
         <p:spPr>
-          <a:xfrm>
-            <a:off x="2165179" y="2208342"/>
-            <a:ext cx="220810" cy="5284"/>
+          <a:xfrm flipV="1">
+            <a:off x="2085156" y="2192344"/>
+            <a:ext cx="238674" cy="7599"/>
           </a:xfrm>
           <a:prstGeom prst="straightConnector1">
             <a:avLst/>
@@ -4297,7 +4301,7 @@
         </p:nvSpPr>
         <p:spPr>
           <a:xfrm>
-            <a:off x="1929131" y="2121652"/>
+            <a:off x="1849108" y="2113253"/>
             <a:ext cx="236048" cy="173380"/>
           </a:xfrm>
           <a:prstGeom prst="flowChartDecision">
@@ -4342,7 +4346,7 @@
         </p:nvSpPr>
         <p:spPr>
           <a:xfrm>
-            <a:off x="3993527" y="2260197"/>
+            <a:off x="4188045" y="1955209"/>
             <a:ext cx="1156969" cy="346760"/>
           </a:xfrm>
           <a:prstGeom prst="rect">
@@ -4398,7 +4402,7 @@
         </p:nvSpPr>
         <p:spPr>
           <a:xfrm>
-            <a:off x="3490802" y="2086817"/>
+            <a:off x="3662988" y="1441487"/>
             <a:ext cx="236048" cy="173380"/>
           </a:xfrm>
           <a:prstGeom prst="flowChartDecision">
@@ -4448,8 +4452,8 @@
         </p:nvCxnSpPr>
         <p:spPr>
           <a:xfrm>
-            <a:off x="3726850" y="2173507"/>
-            <a:ext cx="266666" cy="260070"/>
+            <a:off x="3899036" y="1528177"/>
+            <a:ext cx="289009" cy="600412"/>
           </a:xfrm>
           <a:prstGeom prst="bentConnector3">
             <a:avLst/>
@@ -4486,7 +4490,7 @@
         </p:nvSpPr>
         <p:spPr>
           <a:xfrm>
-            <a:off x="4009713" y="1615392"/>
+            <a:off x="4204231" y="1310404"/>
             <a:ext cx="1334899" cy="346760"/>
           </a:xfrm>
           <a:prstGeom prst="rect">
@@ -4545,8 +4549,8 @@
         </p:nvCxnSpPr>
         <p:spPr>
           <a:xfrm flipV="1">
-            <a:off x="3726850" y="1788783"/>
-            <a:ext cx="282852" cy="384735"/>
+            <a:off x="3899036" y="1483784"/>
+            <a:ext cx="305195" cy="44393"/>
           </a:xfrm>
           <a:prstGeom prst="bentConnector3">
             <a:avLst>
@@ -4585,7 +4589,7 @@
         </p:nvSpPr>
         <p:spPr>
           <a:xfrm>
-            <a:off x="5983499" y="2270891"/>
+            <a:off x="6322087" y="3675516"/>
             <a:ext cx="708186" cy="346760"/>
           </a:xfrm>
           <a:prstGeom prst="rect">
@@ -4641,7 +4645,7 @@
         </p:nvSpPr>
         <p:spPr>
           <a:xfrm>
-            <a:off x="5149726" y="2356805"/>
+            <a:off x="5343802" y="2041899"/>
             <a:ext cx="236048" cy="173380"/>
           </a:xfrm>
           <a:prstGeom prst="flowChartDecision">
@@ -4683,16 +4687,15 @@
           <p:cNvPr id="64" name="Elbow Connector 63"/>
           <p:cNvCxnSpPr>
             <a:stCxn id="63" idx="3"/>
-            <a:endCxn id="62" idx="1"/>
           </p:cNvCxnSpPr>
           <p:nvPr/>
         </p:nvCxnSpPr>
         <p:spPr>
           <a:xfrm>
-            <a:off x="5385785" y="2443495"/>
-            <a:ext cx="597725" cy="776"/>
-          </a:xfrm>
-          <a:prstGeom prst="bentConnector3">
+            <a:off x="5579850" y="2128589"/>
+            <a:ext cx="853843" cy="1559018"/>
+          </a:xfrm>
+          <a:prstGeom prst="bentConnector2">
             <a:avLst/>
           </a:prstGeom>
           <a:ln w="19050">
@@ -4727,7 +4730,7 @@
         </p:nvSpPr>
         <p:spPr>
           <a:xfrm>
-            <a:off x="5980632" y="1649632"/>
+            <a:off x="6301512" y="1341692"/>
             <a:ext cx="708186" cy="346760"/>
           </a:xfrm>
           <a:prstGeom prst="rect">
@@ -4783,7 +4786,7 @@
         </p:nvSpPr>
         <p:spPr>
           <a:xfrm>
-            <a:off x="5344602" y="1691592"/>
+            <a:off x="5543809" y="1406402"/>
             <a:ext cx="236048" cy="173380"/>
           </a:xfrm>
           <a:prstGeom prst="flowChartDecision">
@@ -4825,13 +4828,14 @@
           <p:cNvPr id="69" name="Elbow Connector 68"/>
           <p:cNvCxnSpPr>
             <a:stCxn id="68" idx="3"/>
+            <a:endCxn id="67" idx="1"/>
           </p:cNvCxnSpPr>
           <p:nvPr/>
         </p:nvCxnSpPr>
         <p:spPr>
           <a:xfrm>
-            <a:off x="5580650" y="1778293"/>
-            <a:ext cx="406694" cy="777"/>
+            <a:off x="5779857" y="1493092"/>
+            <a:ext cx="521655" cy="21980"/>
           </a:xfrm>
           <a:prstGeom prst="bentConnector3">
             <a:avLst/>
@@ -4868,7 +4872,7 @@
         </p:nvSpPr>
         <p:spPr>
           <a:xfrm>
-            <a:off x="4634767" y="2841826"/>
+            <a:off x="4837821" y="4321029"/>
             <a:ext cx="1156969" cy="346760"/>
           </a:xfrm>
           <a:prstGeom prst="rect">
@@ -4939,7 +4943,7 @@
         </p:nvSpPr>
         <p:spPr>
           <a:xfrm>
-            <a:off x="7373627" y="1959142"/>
+            <a:off x="7713577" y="3364629"/>
             <a:ext cx="829406" cy="285783"/>
           </a:xfrm>
           <a:prstGeom prst="rect">
@@ -4995,7 +4999,7 @@
         </p:nvSpPr>
         <p:spPr>
           <a:xfrm>
-            <a:off x="6700280" y="2346887"/>
+            <a:off x="7040230" y="3752373"/>
             <a:ext cx="236048" cy="173380"/>
           </a:xfrm>
           <a:prstGeom prst="flowChartDecision">
@@ -5044,7 +5048,7 @@
         </p:nvCxnSpPr>
         <p:spPr>
           <a:xfrm flipV="1">
-            <a:off x="6939225" y="2102034"/>
+            <a:off x="7279175" y="3507521"/>
             <a:ext cx="434402" cy="327761"/>
           </a:xfrm>
           <a:prstGeom prst="bentConnector3">
@@ -5082,7 +5086,7 @@
         </p:nvSpPr>
         <p:spPr>
           <a:xfrm>
-            <a:off x="7373627" y="2282120"/>
+            <a:off x="7713577" y="3687607"/>
             <a:ext cx="829406" cy="285783"/>
           </a:xfrm>
           <a:prstGeom prst="rect">
@@ -5140,7 +5144,7 @@
         </p:nvCxnSpPr>
         <p:spPr>
           <a:xfrm flipV="1">
-            <a:off x="6939225" y="2425012"/>
+            <a:off x="7279175" y="3830499"/>
             <a:ext cx="434402" cy="4783"/>
           </a:xfrm>
           <a:prstGeom prst="bentConnector3">
@@ -5178,7 +5182,7 @@
         </p:nvSpPr>
         <p:spPr>
           <a:xfrm>
-            <a:off x="7373627" y="2605098"/>
+            <a:off x="7713577" y="4010585"/>
             <a:ext cx="829406" cy="285783"/>
           </a:xfrm>
           <a:prstGeom prst="rect">
@@ -5236,7 +5240,7 @@
         </p:nvCxnSpPr>
         <p:spPr>
           <a:xfrm>
-            <a:off x="6939225" y="2429795"/>
+            <a:off x="7279175" y="3835282"/>
             <a:ext cx="434402" cy="318195"/>
           </a:xfrm>
           <a:prstGeom prst="bentConnector3">
@@ -5277,8 +5281,8 @@
         </p:nvCxnSpPr>
         <p:spPr>
           <a:xfrm rot="5400000">
-            <a:off x="2544724" y="1650205"/>
-            <a:ext cx="778124" cy="1958"/>
+            <a:off x="2824714" y="1948316"/>
+            <a:ext cx="116583" cy="24713"/>
           </a:xfrm>
           <a:prstGeom prst="bentConnector3">
             <a:avLst>
@@ -5318,7 +5322,7 @@
         </p:nvSpPr>
         <p:spPr>
           <a:xfrm rot="10800000" flipV="1">
-            <a:off x="2799513" y="1086606"/>
+            <a:off x="2760109" y="1726858"/>
             <a:ext cx="270504" cy="175523"/>
           </a:xfrm>
           <a:prstGeom prst="triangle">
@@ -5366,7 +5370,7 @@
         </p:nvSpPr>
         <p:spPr>
           <a:xfrm>
-            <a:off x="2168835" y="730072"/>
+            <a:off x="2125398" y="1362792"/>
             <a:ext cx="1539926" cy="346760"/>
           </a:xfrm>
           <a:prstGeom prst="rect">
@@ -5437,7 +5441,7 @@
         </p:nvSpPr>
         <p:spPr>
           <a:xfrm rot="16200000">
-            <a:off x="6087853" y="2927356"/>
+            <a:off x="6290906" y="4406559"/>
             <a:ext cx="881018" cy="261610"/>
           </a:xfrm>
           <a:prstGeom prst="rect">
@@ -5476,7 +5480,7 @@
         </p:nvSpPr>
         <p:spPr>
           <a:xfrm>
-            <a:off x="1557283" y="3747958"/>
+            <a:off x="1499340" y="4452808"/>
             <a:ext cx="1775949" cy="346760"/>
           </a:xfrm>
           <a:prstGeom prst="rect">
@@ -5516,14 +5520,6 @@
               </a:rPr>
               <a:t>&lt;&lt;interface&gt;&gt;</a:t>
             </a:r>
-            <a:r>
-              <a:rPr lang="en-US" sz="1050" dirty="0">
-                <a:solidFill>
-                  <a:srgbClr val="7030A0"/>
-                </a:solidFill>
-              </a:rPr>
-              <a:t/>
-            </a:r>
             <a:br>
               <a:rPr lang="en-US" sz="1050" dirty="0">
                 <a:solidFill>
@@ -5557,7 +5553,7 @@
         </p:nvCxnSpPr>
         <p:spPr>
           <a:xfrm rot="16200000" flipH="1">
-            <a:off x="852109" y="3216174"/>
+            <a:off x="794166" y="3921025"/>
             <a:ext cx="858145" cy="552203"/>
           </a:xfrm>
           <a:prstGeom prst="bentConnector2">
@@ -5596,7 +5592,7 @@
         </p:nvSpPr>
         <p:spPr>
           <a:xfrm>
-            <a:off x="5853570" y="887632"/>
+            <a:off x="6044556" y="364814"/>
             <a:ext cx="1113333" cy="346760"/>
           </a:xfrm>
           <a:prstGeom prst="rect">
@@ -5663,8 +5659,8 @@
         </p:nvCxnSpPr>
         <p:spPr>
           <a:xfrm flipV="1">
-            <a:off x="5541277" y="1061019"/>
-            <a:ext cx="312293" cy="165605"/>
+            <a:off x="5736144" y="538194"/>
+            <a:ext cx="308412" cy="365851"/>
           </a:xfrm>
           <a:prstGeom prst="bentConnector3">
             <a:avLst>
@@ -5705,9 +5701,9 @@
           <p:nvPr/>
         </p:nvCxnSpPr>
         <p:spPr>
-          <a:xfrm rot="5400000">
-            <a:off x="6285258" y="1346706"/>
-            <a:ext cx="237287" cy="12673"/>
+          <a:xfrm rot="16200000" flipH="1">
+            <a:off x="6371709" y="941087"/>
+            <a:ext cx="463475" cy="4447"/>
           </a:xfrm>
           <a:prstGeom prst="bentConnector3">
             <a:avLst>
@@ -5747,7 +5743,7 @@
         </p:nvSpPr>
         <p:spPr>
           <a:xfrm flipV="1">
-            <a:off x="6262305" y="1471690"/>
+            <a:off x="6470418" y="1175049"/>
             <a:ext cx="270504" cy="175523"/>
           </a:xfrm>
           <a:prstGeom prst="triangle">
@@ -5795,7 +5791,7 @@
         </p:nvSpPr>
         <p:spPr>
           <a:xfrm>
-            <a:off x="3980179" y="1048927"/>
+            <a:off x="4174697" y="743939"/>
             <a:ext cx="1334899" cy="346760"/>
           </a:xfrm>
           <a:prstGeom prst="rect">
@@ -5862,8 +5858,8 @@
         </p:nvCxnSpPr>
         <p:spPr>
           <a:xfrm flipV="1">
-            <a:off x="3726850" y="1222307"/>
-            <a:ext cx="253322" cy="951200"/>
+            <a:off x="3899036" y="917319"/>
+            <a:ext cx="275661" cy="610858"/>
           </a:xfrm>
           <a:prstGeom prst="bentConnector3">
             <a:avLst>
@@ -5902,7 +5898,7 @@
         </p:nvSpPr>
         <p:spPr>
           <a:xfrm>
-            <a:off x="5305222" y="1139927"/>
+            <a:off x="5500096" y="817355"/>
             <a:ext cx="236048" cy="173380"/>
           </a:xfrm>
           <a:prstGeom prst="flowChartDecision">
@@ -5939,6 +5935,861 @@
           </a:p>
         </p:txBody>
       </p:sp>
+      <p:sp>
+        <p:nvSpPr>
+          <p:cNvPr id="86" name="Rectangle 8"/>
+          <p:cNvSpPr/>
+          <p:nvPr/>
+        </p:nvSpPr>
+        <p:spPr>
+          <a:xfrm>
+            <a:off x="2317370" y="2592251"/>
+            <a:ext cx="1093635" cy="346760"/>
+          </a:xfrm>
+          <a:prstGeom prst="rect">
+            <a:avLst/>
+          </a:prstGeom>
+          <a:ln w="19050">
+            <a:solidFill>
+              <a:srgbClr val="7030A0"/>
+            </a:solidFill>
+          </a:ln>
+          <a:effectLst/>
+        </p:spPr>
+        <p:style>
+          <a:lnRef idx="1">
+            <a:schemeClr val="accent4"/>
+          </a:lnRef>
+          <a:fillRef idx="2">
+            <a:schemeClr val="accent4"/>
+          </a:fillRef>
+          <a:effectRef idx="1">
+            <a:schemeClr val="accent4"/>
+          </a:effectRef>
+          <a:fontRef idx="minor">
+            <a:schemeClr val="dk1"/>
+          </a:fontRef>
+        </p:style>
+        <p:txBody>
+          <a:bodyPr rtlCol="0" anchor="ctr"/>
+          <a:lstStyle/>
+          <a:p>
+            <a:pPr algn="ctr"/>
+            <a:r>
+              <a:rPr lang="en-US" altLang="zh-CN" sz="1050" dirty="0" err="1" smtClean="0">
+                <a:solidFill>
+                  <a:srgbClr val="7030A0"/>
+                </a:solidFill>
+              </a:rPr>
+              <a:t>UndoManager</a:t>
+            </a:r>
+            <a:endParaRPr lang="en-SG" sz="1050" dirty="0">
+              <a:solidFill>
+                <a:srgbClr val="7030A0"/>
+              </a:solidFill>
+            </a:endParaRPr>
+          </a:p>
+        </p:txBody>
+      </p:sp>
+      <p:cxnSp>
+        <p:nvCxnSpPr>
+          <p:cNvPr id="87" name="Straight Arrow Connector 86"/>
+          <p:cNvCxnSpPr/>
+          <p:nvPr/>
+        </p:nvCxnSpPr>
+        <p:spPr>
+          <a:xfrm>
+            <a:off x="2101637" y="2758009"/>
+            <a:ext cx="215732" cy="7623"/>
+          </a:xfrm>
+          <a:prstGeom prst="straightConnector1">
+            <a:avLst/>
+          </a:prstGeom>
+          <a:ln w="19050">
+            <a:solidFill>
+              <a:srgbClr val="7030A0"/>
+            </a:solidFill>
+            <a:headEnd type="none" w="med" len="med"/>
+            <a:tailEnd type="arrow" w="med" len="med"/>
+          </a:ln>
+          <a:effectLst/>
+        </p:spPr>
+        <p:style>
+          <a:lnRef idx="1">
+            <a:schemeClr val="accent2"/>
+          </a:lnRef>
+          <a:fillRef idx="2">
+            <a:schemeClr val="accent2"/>
+          </a:fillRef>
+          <a:effectRef idx="1">
+            <a:schemeClr val="accent2"/>
+          </a:effectRef>
+          <a:fontRef idx="minor">
+            <a:schemeClr val="dk1"/>
+          </a:fontRef>
+        </p:style>
+      </p:cxnSp>
+      <p:sp>
+        <p:nvSpPr>
+          <p:cNvPr id="88" name="Flowchart: Decision 96"/>
+          <p:cNvSpPr/>
+          <p:nvPr/>
+        </p:nvSpPr>
+        <p:spPr>
+          <a:xfrm>
+            <a:off x="1865589" y="2671318"/>
+            <a:ext cx="236048" cy="173380"/>
+          </a:xfrm>
+          <a:prstGeom prst="flowChartDecision">
+            <a:avLst/>
+          </a:prstGeom>
+          <a:noFill/>
+          <a:ln w="19050">
+            <a:solidFill>
+              <a:srgbClr val="7030A0"/>
+            </a:solidFill>
+          </a:ln>
+          <a:effectLst/>
+        </p:spPr>
+        <p:style>
+          <a:lnRef idx="1">
+            <a:schemeClr val="accent6"/>
+          </a:lnRef>
+          <a:fillRef idx="2">
+            <a:schemeClr val="accent6"/>
+          </a:fillRef>
+          <a:effectRef idx="1">
+            <a:schemeClr val="accent6"/>
+          </a:effectRef>
+          <a:fontRef idx="minor">
+            <a:schemeClr val="dk1"/>
+          </a:fontRef>
+        </p:style>
+        <p:txBody>
+          <a:bodyPr rtlCol="0" anchor="ctr"/>
+          <a:lstStyle/>
+          <a:p>
+            <a:pPr algn="ctr"/>
+            <a:endParaRPr lang="en-US" sz="1050"/>
+          </a:p>
+        </p:txBody>
+      </p:sp>
+      <p:sp>
+        <p:nvSpPr>
+          <p:cNvPr id="89" name="Rectangle 8"/>
+          <p:cNvSpPr/>
+          <p:nvPr/>
+        </p:nvSpPr>
+        <p:spPr>
+          <a:xfrm>
+            <a:off x="3966133" y="2603006"/>
+            <a:ext cx="781116" cy="346760"/>
+          </a:xfrm>
+          <a:prstGeom prst="rect">
+            <a:avLst/>
+          </a:prstGeom>
+          <a:ln w="19050">
+            <a:solidFill>
+              <a:srgbClr val="7030A0"/>
+            </a:solidFill>
+          </a:ln>
+          <a:effectLst/>
+        </p:spPr>
+        <p:style>
+          <a:lnRef idx="1">
+            <a:schemeClr val="accent4"/>
+          </a:lnRef>
+          <a:fillRef idx="2">
+            <a:schemeClr val="accent4"/>
+          </a:fillRef>
+          <a:effectRef idx="1">
+            <a:schemeClr val="accent4"/>
+          </a:effectRef>
+          <a:fontRef idx="minor">
+            <a:schemeClr val="dk1"/>
+          </a:fontRef>
+        </p:style>
+        <p:txBody>
+          <a:bodyPr rtlCol="0" anchor="ctr"/>
+          <a:lstStyle/>
+          <a:p>
+            <a:pPr algn="ctr"/>
+            <a:r>
+              <a:rPr lang="en-US" altLang="zh-CN" sz="1050" smtClean="0">
+                <a:solidFill>
+                  <a:srgbClr val="7030A0"/>
+                </a:solidFill>
+              </a:rPr>
+              <a:t>{abstract}</a:t>
+            </a:r>
+          </a:p>
+          <a:p>
+            <a:pPr algn="ctr"/>
+            <a:r>
+              <a:rPr lang="en-US" altLang="zh-CN" sz="1050" dirty="0" smtClean="0">
+                <a:solidFill>
+                  <a:srgbClr val="7030A0"/>
+                </a:solidFill>
+              </a:rPr>
+              <a:t>Operation</a:t>
+            </a:r>
+            <a:endParaRPr lang="en-SG" sz="1050" dirty="0">
+              <a:solidFill>
+                <a:srgbClr val="7030A0"/>
+              </a:solidFill>
+            </a:endParaRPr>
+          </a:p>
+        </p:txBody>
+      </p:sp>
+      <p:sp>
+        <p:nvSpPr>
+          <p:cNvPr id="90" name="Rectangle 8"/>
+          <p:cNvSpPr/>
+          <p:nvPr/>
+        </p:nvSpPr>
+        <p:spPr>
+          <a:xfrm>
+            <a:off x="5158893" y="2425706"/>
+            <a:ext cx="960912" cy="346760"/>
+          </a:xfrm>
+          <a:prstGeom prst="rect">
+            <a:avLst/>
+          </a:prstGeom>
+          <a:ln w="19050">
+            <a:solidFill>
+              <a:srgbClr val="7030A0"/>
+            </a:solidFill>
+          </a:ln>
+          <a:effectLst/>
+        </p:spPr>
+        <p:style>
+          <a:lnRef idx="1">
+            <a:schemeClr val="accent4"/>
+          </a:lnRef>
+          <a:fillRef idx="2">
+            <a:schemeClr val="accent4"/>
+          </a:fillRef>
+          <a:effectRef idx="1">
+            <a:schemeClr val="accent4"/>
+          </a:effectRef>
+          <a:fontRef idx="minor">
+            <a:schemeClr val="dk1"/>
+          </a:fontRef>
+        </p:style>
+        <p:txBody>
+          <a:bodyPr rtlCol="0" anchor="ctr"/>
+          <a:lstStyle/>
+          <a:p>
+            <a:pPr algn="ctr"/>
+            <a:r>
+              <a:rPr lang="en-US" altLang="zh-CN" sz="1050" smtClean="0">
+                <a:solidFill>
+                  <a:srgbClr val="7030A0"/>
+                </a:solidFill>
+              </a:rPr>
+              <a:t>AddOperation</a:t>
+            </a:r>
+            <a:endParaRPr lang="en-SG" sz="1050" dirty="0">
+              <a:solidFill>
+                <a:srgbClr val="7030A0"/>
+              </a:solidFill>
+            </a:endParaRPr>
+          </a:p>
+        </p:txBody>
+      </p:sp>
+      <p:sp>
+        <p:nvSpPr>
+          <p:cNvPr id="91" name="Rectangle 8"/>
+          <p:cNvSpPr/>
+          <p:nvPr/>
+        </p:nvSpPr>
+        <p:spPr>
+          <a:xfrm>
+            <a:off x="5155404" y="2895039"/>
+            <a:ext cx="960912" cy="346760"/>
+          </a:xfrm>
+          <a:prstGeom prst="rect">
+            <a:avLst/>
+          </a:prstGeom>
+          <a:ln w="19050">
+            <a:solidFill>
+              <a:srgbClr val="7030A0"/>
+            </a:solidFill>
+          </a:ln>
+          <a:effectLst/>
+        </p:spPr>
+        <p:style>
+          <a:lnRef idx="1">
+            <a:schemeClr val="accent4"/>
+          </a:lnRef>
+          <a:fillRef idx="2">
+            <a:schemeClr val="accent4"/>
+          </a:fillRef>
+          <a:effectRef idx="1">
+            <a:schemeClr val="accent4"/>
+          </a:effectRef>
+          <a:fontRef idx="minor">
+            <a:schemeClr val="dk1"/>
+          </a:fontRef>
+        </p:style>
+        <p:txBody>
+          <a:bodyPr rtlCol="0" anchor="ctr"/>
+          <a:lstStyle/>
+          <a:p>
+            <a:pPr algn="ctr"/>
+            <a:r>
+              <a:rPr lang="en-US" altLang="zh-CN" sz="1050" dirty="0" err="1" smtClean="0">
+                <a:solidFill>
+                  <a:srgbClr val="7030A0"/>
+                </a:solidFill>
+              </a:rPr>
+              <a:t>EditOperation</a:t>
+            </a:r>
+            <a:endParaRPr lang="en-SG" sz="1050" dirty="0">
+              <a:solidFill>
+                <a:srgbClr val="7030A0"/>
+              </a:solidFill>
+            </a:endParaRPr>
+          </a:p>
+        </p:txBody>
+      </p:sp>
+      <p:sp>
+        <p:nvSpPr>
+          <p:cNvPr id="92" name="Rectangle 8"/>
+          <p:cNvSpPr/>
+          <p:nvPr/>
+        </p:nvSpPr>
+        <p:spPr>
+          <a:xfrm>
+            <a:off x="5158893" y="3341170"/>
+            <a:ext cx="960912" cy="346760"/>
+          </a:xfrm>
+          <a:prstGeom prst="rect">
+            <a:avLst/>
+          </a:prstGeom>
+          <a:ln w="19050">
+            <a:solidFill>
+              <a:srgbClr val="7030A0"/>
+            </a:solidFill>
+          </a:ln>
+          <a:effectLst/>
+        </p:spPr>
+        <p:style>
+          <a:lnRef idx="1">
+            <a:schemeClr val="accent4"/>
+          </a:lnRef>
+          <a:fillRef idx="2">
+            <a:schemeClr val="accent4"/>
+          </a:fillRef>
+          <a:effectRef idx="1">
+            <a:schemeClr val="accent4"/>
+          </a:effectRef>
+          <a:fontRef idx="minor">
+            <a:schemeClr val="dk1"/>
+          </a:fontRef>
+        </p:style>
+        <p:txBody>
+          <a:bodyPr rtlCol="0" anchor="ctr"/>
+          <a:lstStyle/>
+          <a:p>
+            <a:pPr algn="ctr"/>
+            <a:r>
+              <a:rPr lang="is-IS" altLang="zh-CN" sz="1050" dirty="0" smtClean="0">
+                <a:solidFill>
+                  <a:srgbClr val="7030A0"/>
+                </a:solidFill>
+              </a:rPr>
+              <a:t>…</a:t>
+            </a:r>
+            <a:endParaRPr lang="en-SG" sz="1050" dirty="0">
+              <a:solidFill>
+                <a:srgbClr val="7030A0"/>
+              </a:solidFill>
+            </a:endParaRPr>
+          </a:p>
+        </p:txBody>
+      </p:sp>
+      <p:cxnSp>
+        <p:nvCxnSpPr>
+          <p:cNvPr id="94" name="Elbow Connector 63"/>
+          <p:cNvCxnSpPr>
+            <a:stCxn id="90" idx="1"/>
+            <a:endCxn id="95" idx="3"/>
+          </p:cNvCxnSpPr>
+          <p:nvPr/>
+        </p:nvCxnSpPr>
+        <p:spPr>
+          <a:xfrm rot="10800000" flipV="1">
+            <a:off x="4921111" y="2599086"/>
+            <a:ext cx="237782" cy="174342"/>
+          </a:xfrm>
+          <a:prstGeom prst="bentConnector3">
+            <a:avLst>
+              <a:gd name="adj1" fmla="val 50000"/>
+            </a:avLst>
+          </a:prstGeom>
+          <a:ln w="19050">
+            <a:solidFill>
+              <a:srgbClr val="7030A0"/>
+            </a:solidFill>
+            <a:prstDash val="solid"/>
+            <a:headEnd type="none" w="med" len="med"/>
+            <a:tailEnd type="none" w="med" len="med"/>
+          </a:ln>
+          <a:effectLst/>
+        </p:spPr>
+        <p:style>
+          <a:lnRef idx="1">
+            <a:schemeClr val="accent2"/>
+          </a:lnRef>
+          <a:fillRef idx="2">
+            <a:schemeClr val="accent2"/>
+          </a:fillRef>
+          <a:effectRef idx="1">
+            <a:schemeClr val="accent2"/>
+          </a:effectRef>
+          <a:fontRef idx="minor">
+            <a:schemeClr val="dk1"/>
+          </a:fontRef>
+        </p:style>
+      </p:cxnSp>
+      <p:sp>
+        <p:nvSpPr>
+          <p:cNvPr id="95" name="Isosceles Triangle 102"/>
+          <p:cNvSpPr/>
+          <p:nvPr/>
+        </p:nvSpPr>
+        <p:spPr>
+          <a:xfrm rot="5400000" flipV="1">
+            <a:off x="4698097" y="2685666"/>
+            <a:ext cx="270504" cy="175523"/>
+          </a:xfrm>
+          <a:prstGeom prst="triangle">
+            <a:avLst/>
+          </a:prstGeom>
+          <a:ln w="19050">
+            <a:solidFill>
+              <a:srgbClr val="7030A0"/>
+            </a:solidFill>
+          </a:ln>
+          <a:effectLst/>
+        </p:spPr>
+        <p:style>
+          <a:lnRef idx="1">
+            <a:schemeClr val="accent4"/>
+          </a:lnRef>
+          <a:fillRef idx="2">
+            <a:schemeClr val="accent4"/>
+          </a:fillRef>
+          <a:effectRef idx="1">
+            <a:schemeClr val="accent4"/>
+          </a:effectRef>
+          <a:fontRef idx="minor">
+            <a:schemeClr val="dk1"/>
+          </a:fontRef>
+        </p:style>
+        <p:txBody>
+          <a:bodyPr rtlCol="0" anchor="ctr"/>
+          <a:lstStyle/>
+          <a:p>
+            <a:pPr algn="ctr"/>
+            <a:endParaRPr lang="en-SG" sz="1050" b="1">
+              <a:solidFill>
+                <a:srgbClr val="92D050"/>
+              </a:solidFill>
+            </a:endParaRPr>
+          </a:p>
+        </p:txBody>
+      </p:sp>
+      <p:cxnSp>
+        <p:nvCxnSpPr>
+          <p:cNvPr id="101" name="Elbow Connector 63"/>
+          <p:cNvCxnSpPr>
+            <a:stCxn id="91" idx="1"/>
+            <a:endCxn id="95" idx="3"/>
+          </p:cNvCxnSpPr>
+          <p:nvPr/>
+        </p:nvCxnSpPr>
+        <p:spPr>
+          <a:xfrm rot="10800000">
+            <a:off x="4921112" y="2773429"/>
+            <a:ext cx="234293" cy="294991"/>
+          </a:xfrm>
+          <a:prstGeom prst="bentConnector3">
+            <a:avLst>
+              <a:gd name="adj1" fmla="val 50000"/>
+            </a:avLst>
+          </a:prstGeom>
+          <a:ln w="19050">
+            <a:solidFill>
+              <a:srgbClr val="7030A0"/>
+            </a:solidFill>
+            <a:prstDash val="solid"/>
+            <a:headEnd type="none" w="med" len="med"/>
+            <a:tailEnd type="none" w="med" len="med"/>
+          </a:ln>
+          <a:effectLst/>
+        </p:spPr>
+        <p:style>
+          <a:lnRef idx="1">
+            <a:schemeClr val="accent2"/>
+          </a:lnRef>
+          <a:fillRef idx="2">
+            <a:schemeClr val="accent2"/>
+          </a:fillRef>
+          <a:effectRef idx="1">
+            <a:schemeClr val="accent2"/>
+          </a:effectRef>
+          <a:fontRef idx="minor">
+            <a:schemeClr val="dk1"/>
+          </a:fontRef>
+        </p:style>
+      </p:cxnSp>
+      <p:cxnSp>
+        <p:nvCxnSpPr>
+          <p:cNvPr id="102" name="Elbow Connector 63"/>
+          <p:cNvCxnSpPr>
+            <a:stCxn id="92" idx="1"/>
+            <a:endCxn id="95" idx="3"/>
+          </p:cNvCxnSpPr>
+          <p:nvPr/>
+        </p:nvCxnSpPr>
+        <p:spPr>
+          <a:xfrm rot="10800000">
+            <a:off x="4921111" y="2773428"/>
+            <a:ext cx="237782" cy="741122"/>
+          </a:xfrm>
+          <a:prstGeom prst="bentConnector3">
+            <a:avLst>
+              <a:gd name="adj1" fmla="val 50000"/>
+            </a:avLst>
+          </a:prstGeom>
+          <a:ln w="19050">
+            <a:solidFill>
+              <a:srgbClr val="7030A0"/>
+            </a:solidFill>
+            <a:prstDash val="solid"/>
+            <a:headEnd type="none" w="med" len="med"/>
+            <a:tailEnd type="none" w="med" len="med"/>
+          </a:ln>
+          <a:effectLst/>
+        </p:spPr>
+        <p:style>
+          <a:lnRef idx="1">
+            <a:schemeClr val="accent2"/>
+          </a:lnRef>
+          <a:fillRef idx="2">
+            <a:schemeClr val="accent2"/>
+          </a:fillRef>
+          <a:effectRef idx="1">
+            <a:schemeClr val="accent2"/>
+          </a:effectRef>
+          <a:fontRef idx="minor">
+            <a:schemeClr val="dk1"/>
+          </a:fontRef>
+        </p:style>
+      </p:cxnSp>
+      <p:cxnSp>
+        <p:nvCxnSpPr>
+          <p:cNvPr id="115" name="Elbow Connector 63"/>
+          <p:cNvCxnSpPr>
+            <a:stCxn id="89" idx="1"/>
+            <a:endCxn id="86" idx="3"/>
+          </p:cNvCxnSpPr>
+          <p:nvPr/>
+        </p:nvCxnSpPr>
+        <p:spPr>
+          <a:xfrm rot="10800000">
+            <a:off x="3411005" y="2765632"/>
+            <a:ext cx="555128" cy="10755"/>
+          </a:xfrm>
+          <a:prstGeom prst="bentConnector3">
+            <a:avLst>
+              <a:gd name="adj1" fmla="val 50000"/>
+            </a:avLst>
+          </a:prstGeom>
+          <a:ln w="19050">
+            <a:solidFill>
+              <a:srgbClr val="7030A0"/>
+            </a:solidFill>
+            <a:prstDash val="sysDot"/>
+            <a:headEnd type="none" w="med" len="med"/>
+            <a:tailEnd type="none" w="med" len="med"/>
+          </a:ln>
+          <a:effectLst/>
+        </p:spPr>
+        <p:style>
+          <a:lnRef idx="1">
+            <a:schemeClr val="accent2"/>
+          </a:lnRef>
+          <a:fillRef idx="2">
+            <a:schemeClr val="accent2"/>
+          </a:fillRef>
+          <a:effectRef idx="1">
+            <a:schemeClr val="accent2"/>
+          </a:effectRef>
+          <a:fontRef idx="minor">
+            <a:schemeClr val="dk1"/>
+          </a:fontRef>
+        </p:style>
+      </p:cxnSp>
+      <p:cxnSp>
+        <p:nvCxnSpPr>
+          <p:cNvPr id="123" name="Elbow Connector 63"/>
+          <p:cNvCxnSpPr>
+            <a:stCxn id="89" idx="2"/>
+          </p:cNvCxnSpPr>
+          <p:nvPr/>
+        </p:nvCxnSpPr>
+        <p:spPr>
+          <a:xfrm rot="5400000">
+            <a:off x="3013555" y="1769256"/>
+            <a:ext cx="162626" cy="2523647"/>
+          </a:xfrm>
+          <a:prstGeom prst="bentConnector2">
+            <a:avLst/>
+          </a:prstGeom>
+          <a:ln w="19050">
+            <a:solidFill>
+              <a:srgbClr val="7030A0"/>
+            </a:solidFill>
+            <a:prstDash val="sysDot"/>
+            <a:headEnd type="none" w="med" len="med"/>
+            <a:tailEnd type="none" w="med" len="med"/>
+          </a:ln>
+          <a:effectLst/>
+        </p:spPr>
+        <p:style>
+          <a:lnRef idx="1">
+            <a:schemeClr val="accent2"/>
+          </a:lnRef>
+          <a:fillRef idx="2">
+            <a:schemeClr val="accent2"/>
+          </a:fillRef>
+          <a:effectRef idx="1">
+            <a:schemeClr val="accent2"/>
+          </a:effectRef>
+          <a:fontRef idx="minor">
+            <a:schemeClr val="dk1"/>
+          </a:fontRef>
+        </p:style>
+      </p:cxnSp>
+      <p:sp>
+        <p:nvSpPr>
+          <p:cNvPr id="126" name="Triangle 125"/>
+          <p:cNvSpPr/>
+          <p:nvPr/>
+        </p:nvSpPr>
+        <p:spPr>
+          <a:xfrm rot="5400000">
+            <a:off x="3785145" y="3015548"/>
+            <a:ext cx="135765" cy="81254"/>
+          </a:xfrm>
+          <a:prstGeom prst="triangle">
+            <a:avLst/>
+          </a:prstGeom>
+          <a:solidFill>
+            <a:srgbClr val="7030A0"/>
+          </a:solidFill>
+          <a:ln>
+            <a:solidFill>
+              <a:srgbClr val="7030A0"/>
+            </a:solidFill>
+          </a:ln>
+        </p:spPr>
+        <p:style>
+          <a:lnRef idx="2">
+            <a:schemeClr val="accent1">
+              <a:shade val="50000"/>
+            </a:schemeClr>
+          </a:lnRef>
+          <a:fillRef idx="1">
+            <a:schemeClr val="accent1"/>
+          </a:fillRef>
+          <a:effectRef idx="0">
+            <a:schemeClr val="accent1"/>
+          </a:effectRef>
+          <a:fontRef idx="minor">
+            <a:schemeClr val="lt1"/>
+          </a:fontRef>
+        </p:style>
+        <p:txBody>
+          <a:bodyPr rtlCol="0" anchor="ctr"/>
+          <a:lstStyle/>
+          <a:p>
+            <a:pPr algn="ctr"/>
+            <a:endParaRPr lang="en-US"/>
+          </a:p>
+        </p:txBody>
+      </p:sp>
+      <p:sp>
+        <p:nvSpPr>
+          <p:cNvPr id="127" name="TextBox 126"/>
+          <p:cNvSpPr txBox="1"/>
+          <p:nvPr/>
+        </p:nvSpPr>
+        <p:spPr>
+          <a:xfrm>
+            <a:off x="3261874" y="2936334"/>
+            <a:ext cx="599844" cy="230832"/>
+          </a:xfrm>
+          <a:prstGeom prst="rect">
+            <a:avLst/>
+          </a:prstGeom>
+          <a:noFill/>
+        </p:spPr>
+        <p:txBody>
+          <a:bodyPr wrap="none" rtlCol="0">
+            <a:spAutoFit/>
+          </a:bodyPr>
+          <a:lstStyle/>
+          <a:p>
+            <a:r>
+              <a:rPr lang="en-US" altLang="zh-CN" sz="900" dirty="0" smtClean="0">
+                <a:solidFill>
+                  <a:srgbClr val="7030A0"/>
+                </a:solidFill>
+              </a:rPr>
+              <a:t>executes</a:t>
+            </a:r>
+            <a:endParaRPr lang="en-US" sz="900" dirty="0">
+              <a:solidFill>
+                <a:srgbClr val="7030A0"/>
+              </a:solidFill>
+            </a:endParaRPr>
+          </a:p>
+        </p:txBody>
+      </p:sp>
+      <p:sp>
+        <p:nvSpPr>
+          <p:cNvPr id="128" name="Triangle 127"/>
+          <p:cNvSpPr/>
+          <p:nvPr/>
+        </p:nvSpPr>
+        <p:spPr>
+          <a:xfrm rot="5400000">
+            <a:off x="3757107" y="2646955"/>
+            <a:ext cx="135765" cy="81254"/>
+          </a:xfrm>
+          <a:prstGeom prst="triangle">
+            <a:avLst/>
+          </a:prstGeom>
+          <a:solidFill>
+            <a:srgbClr val="7030A0"/>
+          </a:solidFill>
+          <a:ln>
+            <a:solidFill>
+              <a:srgbClr val="7030A0"/>
+            </a:solidFill>
+          </a:ln>
+        </p:spPr>
+        <p:style>
+          <a:lnRef idx="2">
+            <a:schemeClr val="accent1">
+              <a:shade val="50000"/>
+            </a:schemeClr>
+          </a:lnRef>
+          <a:fillRef idx="1">
+            <a:schemeClr val="accent1"/>
+          </a:fillRef>
+          <a:effectRef idx="0">
+            <a:schemeClr val="accent1"/>
+          </a:effectRef>
+          <a:fontRef idx="minor">
+            <a:schemeClr val="lt1"/>
+          </a:fontRef>
+        </p:style>
+        <p:txBody>
+          <a:bodyPr rtlCol="0" anchor="ctr"/>
+          <a:lstStyle/>
+          <a:p>
+            <a:pPr algn="ctr"/>
+            <a:endParaRPr lang="en-US"/>
+          </a:p>
+        </p:txBody>
+      </p:sp>
+      <p:sp>
+        <p:nvSpPr>
+          <p:cNvPr id="129" name="TextBox 128"/>
+          <p:cNvSpPr txBox="1"/>
+          <p:nvPr/>
+        </p:nvSpPr>
+        <p:spPr>
+          <a:xfrm>
+            <a:off x="3362907" y="2572957"/>
+            <a:ext cx="481222" cy="230832"/>
+          </a:xfrm>
+          <a:prstGeom prst="rect">
+            <a:avLst/>
+          </a:prstGeom>
+          <a:noFill/>
+        </p:spPr>
+        <p:txBody>
+          <a:bodyPr wrap="none" rtlCol="0">
+            <a:spAutoFit/>
+          </a:bodyPr>
+          <a:lstStyle/>
+          <a:p>
+            <a:r>
+              <a:rPr lang="en-US" altLang="zh-CN" sz="900" smtClean="0">
+                <a:solidFill>
+                  <a:srgbClr val="7030A0"/>
+                </a:solidFill>
+              </a:rPr>
+              <a:t>create</a:t>
+            </a:r>
+            <a:endParaRPr lang="en-US" sz="900" dirty="0">
+              <a:solidFill>
+                <a:srgbClr val="7030A0"/>
+              </a:solidFill>
+            </a:endParaRPr>
+          </a:p>
+        </p:txBody>
+      </p:sp>
+      <p:cxnSp>
+        <p:nvCxnSpPr>
+          <p:cNvPr id="138" name="Elbow Connector 63"/>
+          <p:cNvCxnSpPr>
+            <a:stCxn id="89" idx="0"/>
+            <a:endCxn id="46" idx="2"/>
+          </p:cNvCxnSpPr>
+          <p:nvPr/>
+        </p:nvCxnSpPr>
+        <p:spPr>
+          <a:xfrm rot="16200000" flipV="1">
+            <a:off x="3495029" y="1741343"/>
+            <a:ext cx="237282" cy="1486043"/>
+          </a:xfrm>
+          <a:prstGeom prst="bentConnector3">
+            <a:avLst>
+              <a:gd name="adj1" fmla="val 50000"/>
+            </a:avLst>
+          </a:prstGeom>
+          <a:ln w="19050">
+            <a:solidFill>
+              <a:srgbClr val="7030A0"/>
+            </a:solidFill>
+            <a:prstDash val="sysDot"/>
+            <a:headEnd type="none" w="med" len="med"/>
+            <a:tailEnd type="arrow" w="med" len="med"/>
+          </a:ln>
+          <a:effectLst/>
+        </p:spPr>
+        <p:style>
+          <a:lnRef idx="1">
+            <a:schemeClr val="accent2"/>
+          </a:lnRef>
+          <a:fillRef idx="2">
+            <a:schemeClr val="accent2"/>
+          </a:fillRef>
+          <a:effectRef idx="1">
+            <a:schemeClr val="accent2"/>
+          </a:effectRef>
+          <a:fontRef idx="minor">
+            <a:schemeClr val="dk1"/>
+          </a:fontRef>
+        </p:style>
+      </p:cxnSp>
     </p:spTree>
     <p:extLst>
       <p:ext uri="{BB962C8B-B14F-4D97-AF65-F5344CB8AC3E}">
